--- a/Labs/Assignment1/MIDI.pptx
+++ b/Labs/Assignment1/MIDI.pptx
@@ -5,13 +5,14 @@
     <p:sldMasterId id="2147483648" r:id="rId1"/>
   </p:sldMasterIdLst>
   <p:notesMasterIdLst>
-    <p:notesMasterId r:id="rId6"/>
+    <p:notesMasterId r:id="rId7"/>
   </p:notesMasterIdLst>
   <p:sldIdLst>
     <p:sldId id="256" r:id="rId2"/>
     <p:sldId id="257" r:id="rId3"/>
     <p:sldId id="258" r:id="rId4"/>
     <p:sldId id="259" r:id="rId5"/>
+    <p:sldId id="260" r:id="rId6"/>
   </p:sldIdLst>
   <p:sldSz cx="12192000" cy="6858000"/>
   <p:notesSz cx="6858000" cy="9144000"/>
@@ -110,6 +111,11 @@
       </a:defRPr>
     </a:lvl9pPr>
   </p:defaultTextStyle>
+  <p:extLst>
+    <p:ext uri="{EFAFB233-063F-42B5-8137-9DF3F51BA10A}">
+      <p15:sldGuideLst xmlns:p15="http://schemas.microsoft.com/office/powerpoint/2012/main"/>
+    </p:ext>
+  </p:extLst>
 </p:presentation>
 </file>
 
@@ -195,7 +201,7 @@
           <a:p>
             <a:fld id="{08CA26BB-60A3-C94E-A86C-76B520E8FC20}" type="datetimeFigureOut">
               <a:rPr lang="pt-PT" smtClean="0"/>
-              <a:t>19/10/23</a:t>
+              <a:t>22/10/23</a:t>
             </a:fld>
             <a:endParaRPr lang="pt-PT"/>
           </a:p>
@@ -693,7 +699,7 @@
           <a:p>
             <a:fld id="{2955A517-B96C-6643-BCF7-7876C629CCBE}" type="datetimeFigureOut">
               <a:rPr lang="pt-PT" smtClean="0"/>
-              <a:t>19/10/23</a:t>
+              <a:t>22/10/23</a:t>
             </a:fld>
             <a:endParaRPr lang="pt-PT"/>
           </a:p>
@@ -891,7 +897,7 @@
           <a:p>
             <a:fld id="{2955A517-B96C-6643-BCF7-7876C629CCBE}" type="datetimeFigureOut">
               <a:rPr lang="pt-PT" smtClean="0"/>
-              <a:t>19/10/23</a:t>
+              <a:t>22/10/23</a:t>
             </a:fld>
             <a:endParaRPr lang="pt-PT"/>
           </a:p>
@@ -1099,7 +1105,7 @@
           <a:p>
             <a:fld id="{2955A517-B96C-6643-BCF7-7876C629CCBE}" type="datetimeFigureOut">
               <a:rPr lang="pt-PT" smtClean="0"/>
-              <a:t>19/10/23</a:t>
+              <a:t>22/10/23</a:t>
             </a:fld>
             <a:endParaRPr lang="pt-PT"/>
           </a:p>
@@ -1297,7 +1303,7 @@
           <a:p>
             <a:fld id="{2955A517-B96C-6643-BCF7-7876C629CCBE}" type="datetimeFigureOut">
               <a:rPr lang="pt-PT" smtClean="0"/>
-              <a:t>19/10/23</a:t>
+              <a:t>22/10/23</a:t>
             </a:fld>
             <a:endParaRPr lang="pt-PT"/>
           </a:p>
@@ -1572,7 +1578,7 @@
           <a:p>
             <a:fld id="{2955A517-B96C-6643-BCF7-7876C629CCBE}" type="datetimeFigureOut">
               <a:rPr lang="pt-PT" smtClean="0"/>
-              <a:t>19/10/23</a:t>
+              <a:t>22/10/23</a:t>
             </a:fld>
             <a:endParaRPr lang="pt-PT"/>
           </a:p>
@@ -1837,7 +1843,7 @@
           <a:p>
             <a:fld id="{2955A517-B96C-6643-BCF7-7876C629CCBE}" type="datetimeFigureOut">
               <a:rPr lang="pt-PT" smtClean="0"/>
-              <a:t>19/10/23</a:t>
+              <a:t>22/10/23</a:t>
             </a:fld>
             <a:endParaRPr lang="pt-PT"/>
           </a:p>
@@ -2249,7 +2255,7 @@
           <a:p>
             <a:fld id="{2955A517-B96C-6643-BCF7-7876C629CCBE}" type="datetimeFigureOut">
               <a:rPr lang="pt-PT" smtClean="0"/>
-              <a:t>19/10/23</a:t>
+              <a:t>22/10/23</a:t>
             </a:fld>
             <a:endParaRPr lang="pt-PT"/>
           </a:p>
@@ -2390,7 +2396,7 @@
           <a:p>
             <a:fld id="{2955A517-B96C-6643-BCF7-7876C629CCBE}" type="datetimeFigureOut">
               <a:rPr lang="pt-PT" smtClean="0"/>
-              <a:t>19/10/23</a:t>
+              <a:t>22/10/23</a:t>
             </a:fld>
             <a:endParaRPr lang="pt-PT"/>
           </a:p>
@@ -2503,7 +2509,7 @@
           <a:p>
             <a:fld id="{2955A517-B96C-6643-BCF7-7876C629CCBE}" type="datetimeFigureOut">
               <a:rPr lang="pt-PT" smtClean="0"/>
-              <a:t>19/10/23</a:t>
+              <a:t>22/10/23</a:t>
             </a:fld>
             <a:endParaRPr lang="pt-PT"/>
           </a:p>
@@ -2814,7 +2820,7 @@
           <a:p>
             <a:fld id="{2955A517-B96C-6643-BCF7-7876C629CCBE}" type="datetimeFigureOut">
               <a:rPr lang="pt-PT" smtClean="0"/>
-              <a:t>19/10/23</a:t>
+              <a:t>22/10/23</a:t>
             </a:fld>
             <a:endParaRPr lang="pt-PT"/>
           </a:p>
@@ -3102,7 +3108,7 @@
           <a:p>
             <a:fld id="{2955A517-B96C-6643-BCF7-7876C629CCBE}" type="datetimeFigureOut">
               <a:rPr lang="pt-PT" smtClean="0"/>
-              <a:t>19/10/23</a:t>
+              <a:t>22/10/23</a:t>
             </a:fld>
             <a:endParaRPr lang="pt-PT"/>
           </a:p>
@@ -3343,7 +3349,7 @@
           <a:p>
             <a:fld id="{2955A517-B96C-6643-BCF7-7876C629CCBE}" type="datetimeFigureOut">
               <a:rPr lang="pt-PT" smtClean="0"/>
-              <a:t>19/10/23</a:t>
+              <a:t>22/10/23</a:t>
             </a:fld>
             <a:endParaRPr lang="pt-PT"/>
           </a:p>
@@ -3926,6 +3932,158 @@
           </a:prstGeom>
         </p:spPr>
       </p:pic>
+      <p:cxnSp>
+        <p:nvCxnSpPr>
+          <p:cNvPr id="7" name="Conexão Reta 6">
+            <a:extLst>
+              <a:ext uri="{FF2B5EF4-FFF2-40B4-BE49-F238E27FC236}">
+                <a16:creationId xmlns:a16="http://schemas.microsoft.com/office/drawing/2014/main" id="{372C0B7B-F9D4-20D5-6C18-C9312241A0EA}"/>
+              </a:ext>
+            </a:extLst>
+          </p:cNvPr>
+          <p:cNvCxnSpPr>
+            <a:cxnSpLocks/>
+          </p:cNvCxnSpPr>
+          <p:nvPr/>
+        </p:nvCxnSpPr>
+        <p:spPr>
+          <a:xfrm>
+            <a:off x="525517" y="451944"/>
+            <a:ext cx="0" cy="5725019"/>
+          </a:xfrm>
+          <a:prstGeom prst="line">
+            <a:avLst/>
+          </a:prstGeom>
+        </p:spPr>
+        <p:style>
+          <a:lnRef idx="3">
+            <a:schemeClr val="dk1"/>
+          </a:lnRef>
+          <a:fillRef idx="0">
+            <a:schemeClr val="dk1"/>
+          </a:fillRef>
+          <a:effectRef idx="2">
+            <a:schemeClr val="dk1"/>
+          </a:effectRef>
+          <a:fontRef idx="minor">
+            <a:schemeClr val="tx1"/>
+          </a:fontRef>
+        </p:style>
+      </p:cxnSp>
+      <p:cxnSp>
+        <p:nvCxnSpPr>
+          <p:cNvPr id="8" name="Conexão Reta 7">
+            <a:extLst>
+              <a:ext uri="{FF2B5EF4-FFF2-40B4-BE49-F238E27FC236}">
+                <a16:creationId xmlns:a16="http://schemas.microsoft.com/office/drawing/2014/main" id="{39A0C7AE-485C-6669-2F53-454969B3900D}"/>
+              </a:ext>
+            </a:extLst>
+          </p:cNvPr>
+          <p:cNvCxnSpPr>
+            <a:cxnSpLocks/>
+          </p:cNvCxnSpPr>
+          <p:nvPr/>
+        </p:nvCxnSpPr>
+        <p:spPr>
+          <a:xfrm flipH="1">
+            <a:off x="525517" y="6177541"/>
+            <a:ext cx="11125200" cy="0"/>
+          </a:xfrm>
+          <a:prstGeom prst="line">
+            <a:avLst/>
+          </a:prstGeom>
+        </p:spPr>
+        <p:style>
+          <a:lnRef idx="3">
+            <a:schemeClr val="dk1"/>
+          </a:lnRef>
+          <a:fillRef idx="0">
+            <a:schemeClr val="dk1"/>
+          </a:fillRef>
+          <a:effectRef idx="2">
+            <a:schemeClr val="dk1"/>
+          </a:effectRef>
+          <a:fontRef idx="minor">
+            <a:schemeClr val="tx1"/>
+          </a:fontRef>
+        </p:style>
+      </p:cxnSp>
+      <p:cxnSp>
+        <p:nvCxnSpPr>
+          <p:cNvPr id="9" name="Conexão Reta 8">
+            <a:extLst>
+              <a:ext uri="{FF2B5EF4-FFF2-40B4-BE49-F238E27FC236}">
+                <a16:creationId xmlns:a16="http://schemas.microsoft.com/office/drawing/2014/main" id="{5D52E32B-17E1-D0A8-7A4D-A073F11E0686}"/>
+              </a:ext>
+            </a:extLst>
+          </p:cNvPr>
+          <p:cNvCxnSpPr>
+            <a:cxnSpLocks/>
+          </p:cNvCxnSpPr>
+          <p:nvPr/>
+        </p:nvCxnSpPr>
+        <p:spPr>
+          <a:xfrm flipH="1">
+            <a:off x="525517" y="451944"/>
+            <a:ext cx="8362989" cy="0"/>
+          </a:xfrm>
+          <a:prstGeom prst="line">
+            <a:avLst/>
+          </a:prstGeom>
+        </p:spPr>
+        <p:style>
+          <a:lnRef idx="3">
+            <a:schemeClr val="dk1"/>
+          </a:lnRef>
+          <a:fillRef idx="0">
+            <a:schemeClr val="dk1"/>
+          </a:fillRef>
+          <a:effectRef idx="2">
+            <a:schemeClr val="dk1"/>
+          </a:effectRef>
+          <a:fontRef idx="minor">
+            <a:schemeClr val="tx1"/>
+          </a:fontRef>
+        </p:style>
+      </p:cxnSp>
+      <p:cxnSp>
+        <p:nvCxnSpPr>
+          <p:cNvPr id="10" name="Conexão Reta 9">
+            <a:extLst>
+              <a:ext uri="{FF2B5EF4-FFF2-40B4-BE49-F238E27FC236}">
+                <a16:creationId xmlns:a16="http://schemas.microsoft.com/office/drawing/2014/main" id="{5BEE2F97-C078-3211-81A2-5F76BEDA9DCE}"/>
+              </a:ext>
+            </a:extLst>
+          </p:cNvPr>
+          <p:cNvCxnSpPr>
+            <a:cxnSpLocks/>
+          </p:cNvCxnSpPr>
+          <p:nvPr/>
+        </p:nvCxnSpPr>
+        <p:spPr>
+          <a:xfrm>
+            <a:off x="11650717" y="1304365"/>
+            <a:ext cx="0" cy="4872598"/>
+          </a:xfrm>
+          <a:prstGeom prst="line">
+            <a:avLst/>
+          </a:prstGeom>
+        </p:spPr>
+        <p:style>
+          <a:lnRef idx="3">
+            <a:schemeClr val="dk1"/>
+          </a:lnRef>
+          <a:fillRef idx="0">
+            <a:schemeClr val="dk1"/>
+          </a:fillRef>
+          <a:effectRef idx="2">
+            <a:schemeClr val="dk1"/>
+          </a:effectRef>
+          <a:fontRef idx="minor">
+            <a:schemeClr val="tx1"/>
+          </a:fontRef>
+        </p:style>
+      </p:cxnSp>
     </p:spTree>
     <p:extLst>
       <p:ext uri="{BB962C8B-B14F-4D97-AF65-F5344CB8AC3E}">
@@ -3936,6 +4094,18 @@
   <p:clrMapOvr>
     <a:masterClrMapping/>
   </p:clrMapOvr>
+  <mc:AlternateContent xmlns:mc="http://schemas.openxmlformats.org/markup-compatibility/2006">
+    <mc:Choice xmlns:p159="http://schemas.microsoft.com/office/powerpoint/2015/09/main" Requires="p159">
+      <p:transition xmlns:p14="http://schemas.microsoft.com/office/powerpoint/2010/main" spd="slow" p14:dur="2000">
+        <p159:morph option="byObject"/>
+      </p:transition>
+    </mc:Choice>
+    <mc:Fallback>
+      <p:transition spd="slow">
+        <p:fade/>
+      </p:transition>
+    </mc:Fallback>
+  </mc:AlternateContent>
 </p:sld>
 </file>
 
@@ -4035,7 +4205,7 @@
         <p:spPr/>
         <p:txBody>
           <a:bodyPr>
-            <a:normAutofit fontScale="92500"/>
+            <a:normAutofit/>
           </a:bodyPr>
           <a:lstStyle/>
           <a:p>
@@ -4045,64 +4215,10 @@
               </a:lnSpc>
             </a:pPr>
             <a:r>
-              <a:rPr lang="pt-PT" dirty="0">
-                <a:latin typeface="Georgia" panose="02040502050405020303" pitchFamily="18" charset="0"/>
-              </a:rPr>
-              <a:t>MIDI </a:t>
-            </a:r>
-            <a:r>
               <a:rPr lang="pt-PT" dirty="0" err="1">
                 <a:latin typeface="Georgia" panose="02040502050405020303" pitchFamily="18" charset="0"/>
               </a:rPr>
-              <a:t>is</a:t>
-            </a:r>
-            <a:r>
-              <a:rPr lang="pt-PT" dirty="0">
-                <a:latin typeface="Georgia" panose="02040502050405020303" pitchFamily="18" charset="0"/>
-              </a:rPr>
-              <a:t> a </a:t>
-            </a:r>
-            <a:r>
-              <a:rPr lang="pt-PT" dirty="0" err="1">
-                <a:latin typeface="Georgia" panose="02040502050405020303" pitchFamily="18" charset="0"/>
-              </a:rPr>
-              <a:t>powerful</a:t>
-            </a:r>
-            <a:r>
-              <a:rPr lang="pt-PT" dirty="0">
-                <a:latin typeface="Georgia" panose="02040502050405020303" pitchFamily="18" charset="0"/>
-              </a:rPr>
-              <a:t> </a:t>
-            </a:r>
-            <a:r>
-              <a:rPr lang="pt-PT" dirty="0" err="1">
-                <a:latin typeface="Georgia" panose="02040502050405020303" pitchFamily="18" charset="0"/>
-              </a:rPr>
-              <a:t>and</a:t>
-            </a:r>
-            <a:r>
-              <a:rPr lang="pt-PT" dirty="0">
-                <a:latin typeface="Georgia" panose="02040502050405020303" pitchFamily="18" charset="0"/>
-              </a:rPr>
-              <a:t> </a:t>
-            </a:r>
-            <a:r>
-              <a:rPr lang="pt-PT" dirty="0" err="1">
-                <a:latin typeface="Georgia" panose="02040502050405020303" pitchFamily="18" charset="0"/>
-              </a:rPr>
-              <a:t>indispensable</a:t>
-            </a:r>
-            <a:r>
-              <a:rPr lang="pt-PT" dirty="0">
-                <a:latin typeface="Georgia" panose="02040502050405020303" pitchFamily="18" charset="0"/>
-              </a:rPr>
-              <a:t> </a:t>
-            </a:r>
-            <a:r>
-              <a:rPr lang="pt-PT" dirty="0" err="1">
-                <a:latin typeface="Georgia" panose="02040502050405020303" pitchFamily="18" charset="0"/>
-              </a:rPr>
-              <a:t>tool</a:t>
+              <a:t>Tool</a:t>
             </a:r>
             <a:r>
               <a:rPr lang="pt-PT" dirty="0">
@@ -4187,139 +4303,7 @@
               <a:rPr lang="pt-PT" dirty="0">
                 <a:latin typeface="Georgia" panose="02040502050405020303" pitchFamily="18" charset="0"/>
               </a:rPr>
-              <a:t> 1980s, </a:t>
-            </a:r>
-            <a:r>
-              <a:rPr lang="pt-PT" dirty="0" err="1">
-                <a:latin typeface="Georgia" panose="02040502050405020303" pitchFamily="18" charset="0"/>
-              </a:rPr>
-              <a:t>it</a:t>
-            </a:r>
-            <a:r>
-              <a:rPr lang="pt-PT" dirty="0">
-                <a:latin typeface="Georgia" panose="02040502050405020303" pitchFamily="18" charset="0"/>
-              </a:rPr>
-              <a:t> </a:t>
-            </a:r>
-            <a:r>
-              <a:rPr lang="pt-PT" dirty="0" err="1">
-                <a:latin typeface="Georgia" panose="02040502050405020303" pitchFamily="18" charset="0"/>
-              </a:rPr>
-              <a:t>aimed</a:t>
-            </a:r>
-            <a:r>
-              <a:rPr lang="pt-PT" dirty="0">
-                <a:latin typeface="Georgia" panose="02040502050405020303" pitchFamily="18" charset="0"/>
-              </a:rPr>
-              <a:t> to </a:t>
-            </a:r>
-            <a:r>
-              <a:rPr lang="pt-PT" dirty="0" err="1">
-                <a:latin typeface="Georgia" panose="02040502050405020303" pitchFamily="18" charset="0"/>
-              </a:rPr>
-              <a:t>standardize</a:t>
-            </a:r>
-            <a:r>
-              <a:rPr lang="pt-PT" dirty="0">
-                <a:latin typeface="Georgia" panose="02040502050405020303" pitchFamily="18" charset="0"/>
-              </a:rPr>
-              <a:t> </a:t>
-            </a:r>
-            <a:r>
-              <a:rPr lang="pt-PT" dirty="0" err="1">
-                <a:latin typeface="Georgia" panose="02040502050405020303" pitchFamily="18" charset="0"/>
-              </a:rPr>
-              <a:t>music</a:t>
-            </a:r>
-            <a:r>
-              <a:rPr lang="pt-PT" dirty="0">
-                <a:latin typeface="Georgia" panose="02040502050405020303" pitchFamily="18" charset="0"/>
-              </a:rPr>
-              <a:t> </a:t>
-            </a:r>
-            <a:r>
-              <a:rPr lang="pt-PT" dirty="0" err="1">
-                <a:latin typeface="Georgia" panose="02040502050405020303" pitchFamily="18" charset="0"/>
-              </a:rPr>
-              <a:t>production</a:t>
-            </a:r>
-            <a:r>
-              <a:rPr lang="pt-PT" dirty="0">
-                <a:latin typeface="Georgia" panose="02040502050405020303" pitchFamily="18" charset="0"/>
-              </a:rPr>
-              <a:t> hardware </a:t>
-            </a:r>
-            <a:r>
-              <a:rPr lang="pt-PT" dirty="0" err="1">
-                <a:latin typeface="Georgia" panose="02040502050405020303" pitchFamily="18" charset="0"/>
-              </a:rPr>
-              <a:t>and</a:t>
-            </a:r>
-            <a:r>
-              <a:rPr lang="pt-PT" dirty="0">
-                <a:latin typeface="Georgia" panose="02040502050405020303" pitchFamily="18" charset="0"/>
-              </a:rPr>
-              <a:t> </a:t>
-            </a:r>
-            <a:r>
-              <a:rPr lang="pt-PT" dirty="0" err="1">
-                <a:latin typeface="Georgia" panose="02040502050405020303" pitchFamily="18" charset="0"/>
-              </a:rPr>
-              <a:t>ensure</a:t>
-            </a:r>
-            <a:r>
-              <a:rPr lang="pt-PT" dirty="0">
-                <a:latin typeface="Georgia" panose="02040502050405020303" pitchFamily="18" charset="0"/>
-              </a:rPr>
-              <a:t> </a:t>
-            </a:r>
-            <a:r>
-              <a:rPr lang="pt-PT" dirty="0" err="1">
-                <a:latin typeface="Georgia" panose="02040502050405020303" pitchFamily="18" charset="0"/>
-              </a:rPr>
-              <a:t>compatibility</a:t>
-            </a:r>
-            <a:r>
-              <a:rPr lang="pt-PT" dirty="0">
-                <a:latin typeface="Georgia" panose="02040502050405020303" pitchFamily="18" charset="0"/>
-              </a:rPr>
-              <a:t> </a:t>
-            </a:r>
-            <a:r>
-              <a:rPr lang="pt-PT" dirty="0" err="1">
-                <a:latin typeface="Georgia" panose="02040502050405020303" pitchFamily="18" charset="0"/>
-              </a:rPr>
-              <a:t>with</a:t>
-            </a:r>
-            <a:r>
-              <a:rPr lang="pt-PT" dirty="0">
-                <a:latin typeface="Georgia" panose="02040502050405020303" pitchFamily="18" charset="0"/>
-              </a:rPr>
-              <a:t> </a:t>
-            </a:r>
-            <a:r>
-              <a:rPr lang="pt-PT" dirty="0" err="1">
-                <a:latin typeface="Georgia" panose="02040502050405020303" pitchFamily="18" charset="0"/>
-              </a:rPr>
-              <a:t>various</a:t>
-            </a:r>
-            <a:r>
-              <a:rPr lang="pt-PT" dirty="0">
-                <a:latin typeface="Georgia" panose="02040502050405020303" pitchFamily="18" charset="0"/>
-              </a:rPr>
-              <a:t> </a:t>
-            </a:r>
-            <a:r>
-              <a:rPr lang="pt-PT" dirty="0" err="1">
-                <a:latin typeface="Georgia" panose="02040502050405020303" pitchFamily="18" charset="0"/>
-              </a:rPr>
-              <a:t>devices</a:t>
-            </a:r>
-            <a:r>
-              <a:rPr lang="pt-PT" dirty="0">
-                <a:latin typeface="Georgia" panose="02040502050405020303" pitchFamily="18" charset="0"/>
-              </a:rPr>
-              <a:t>.</a:t>
+              <a:t> 1980s.</a:t>
             </a:r>
           </a:p>
           <a:p>
@@ -4332,19 +4316,31 @@
               <a:rPr lang="pt-PT" dirty="0" err="1">
                 <a:latin typeface="Georgia" panose="02040502050405020303" pitchFamily="18" charset="0"/>
               </a:rPr>
-              <a:t>Despite</a:t>
+              <a:t>Aimed</a:t>
             </a:r>
             <a:r>
               <a:rPr lang="pt-PT" dirty="0">
                 <a:latin typeface="Georgia" panose="02040502050405020303" pitchFamily="18" charset="0"/>
               </a:rPr>
+              <a:t> to </a:t>
+            </a:r>
+            <a:r>
+              <a:rPr lang="pt-PT" dirty="0" err="1">
+                <a:latin typeface="Georgia" panose="02040502050405020303" pitchFamily="18" charset="0"/>
+              </a:rPr>
+              <a:t>standardize</a:t>
+            </a:r>
+            <a:r>
+              <a:rPr lang="pt-PT" dirty="0">
+                <a:latin typeface="Georgia" panose="02040502050405020303" pitchFamily="18" charset="0"/>
+              </a:rPr>
               <a:t> </a:t>
             </a:r>
             <a:r>
               <a:rPr lang="pt-PT" dirty="0" err="1">
                 <a:latin typeface="Georgia" panose="02040502050405020303" pitchFamily="18" charset="0"/>
               </a:rPr>
-              <a:t>its</a:t>
+              <a:t>music</a:t>
             </a:r>
             <a:r>
               <a:rPr lang="pt-PT" dirty="0">
@@ -4356,31 +4352,31 @@
               <a:rPr lang="pt-PT" dirty="0" err="1">
                 <a:latin typeface="Georgia" panose="02040502050405020303" pitchFamily="18" charset="0"/>
               </a:rPr>
-              <a:t>complexity</a:t>
+              <a:t>production</a:t>
             </a:r>
             <a:r>
               <a:rPr lang="pt-PT" dirty="0">
                 <a:latin typeface="Georgia" panose="02040502050405020303" pitchFamily="18" charset="0"/>
               </a:rPr>
-              <a:t>, MIDI </a:t>
+              <a:t> hardware </a:t>
             </a:r>
             <a:r>
               <a:rPr lang="pt-PT" dirty="0" err="1">
                 <a:latin typeface="Georgia" panose="02040502050405020303" pitchFamily="18" charset="0"/>
               </a:rPr>
-              <a:t>plays</a:t>
+              <a:t>and</a:t>
             </a:r>
             <a:r>
               <a:rPr lang="pt-PT" dirty="0">
                 <a:latin typeface="Georgia" panose="02040502050405020303" pitchFamily="18" charset="0"/>
               </a:rPr>
-              <a:t> a crucial role in </a:t>
+              <a:t> </a:t>
             </a:r>
             <a:r>
               <a:rPr lang="pt-PT" dirty="0" err="1">
                 <a:latin typeface="Georgia" panose="02040502050405020303" pitchFamily="18" charset="0"/>
               </a:rPr>
-              <a:t>music</a:t>
+              <a:t>ensure</a:t>
             </a:r>
             <a:r>
               <a:rPr lang="pt-PT" dirty="0">
@@ -4392,7 +4388,7 @@
               <a:rPr lang="pt-PT" dirty="0" err="1">
                 <a:latin typeface="Georgia" panose="02040502050405020303" pitchFamily="18" charset="0"/>
               </a:rPr>
-              <a:t>recording</a:t>
+              <a:t>compatibility</a:t>
             </a:r>
             <a:r>
               <a:rPr lang="pt-PT" dirty="0">
@@ -4404,7 +4400,7 @@
               <a:rPr lang="pt-PT" dirty="0" err="1">
                 <a:latin typeface="Georgia" panose="02040502050405020303" pitchFamily="18" charset="0"/>
               </a:rPr>
-              <a:t>and</a:t>
+              <a:t>with</a:t>
             </a:r>
             <a:r>
               <a:rPr lang="pt-PT" dirty="0">
@@ -4416,7 +4412,19 @@
               <a:rPr lang="pt-PT" dirty="0" err="1">
                 <a:latin typeface="Georgia" panose="02040502050405020303" pitchFamily="18" charset="0"/>
               </a:rPr>
-              <a:t>editing</a:t>
+              <a:t>various</a:t>
+            </a:r>
+            <a:r>
+              <a:rPr lang="pt-PT" dirty="0">
+                <a:latin typeface="Georgia" panose="02040502050405020303" pitchFamily="18" charset="0"/>
+              </a:rPr>
+              <a:t> </a:t>
+            </a:r>
+            <a:r>
+              <a:rPr lang="pt-PT" dirty="0" err="1">
+                <a:latin typeface="Georgia" panose="02040502050405020303" pitchFamily="18" charset="0"/>
+              </a:rPr>
+              <a:t>devices</a:t>
             </a:r>
             <a:r>
               <a:rPr lang="pt-PT" dirty="0">
@@ -4945,6 +4953,196 @@
           </a:p>
         </p:txBody>
       </p:sp>
+      <p:cxnSp>
+        <p:nvCxnSpPr>
+          <p:cNvPr id="6" name="Conexão Reta 5">
+            <a:extLst>
+              <a:ext uri="{FF2B5EF4-FFF2-40B4-BE49-F238E27FC236}">
+                <a16:creationId xmlns:a16="http://schemas.microsoft.com/office/drawing/2014/main" id="{DE9B8144-68C0-9067-9F6F-049DC661774F}"/>
+              </a:ext>
+            </a:extLst>
+          </p:cNvPr>
+          <p:cNvCxnSpPr>
+            <a:cxnSpLocks/>
+          </p:cNvCxnSpPr>
+          <p:nvPr/>
+        </p:nvCxnSpPr>
+        <p:spPr>
+          <a:xfrm>
+            <a:off x="525517" y="451944"/>
+            <a:ext cx="0" cy="5725019"/>
+          </a:xfrm>
+          <a:prstGeom prst="line">
+            <a:avLst/>
+          </a:prstGeom>
+        </p:spPr>
+        <p:style>
+          <a:lnRef idx="3">
+            <a:schemeClr val="dk1"/>
+          </a:lnRef>
+          <a:fillRef idx="0">
+            <a:schemeClr val="dk1"/>
+          </a:fillRef>
+          <a:effectRef idx="2">
+            <a:schemeClr val="dk1"/>
+          </a:effectRef>
+          <a:fontRef idx="minor">
+            <a:schemeClr val="tx1"/>
+          </a:fontRef>
+        </p:style>
+      </p:cxnSp>
+      <p:cxnSp>
+        <p:nvCxnSpPr>
+          <p:cNvPr id="7" name="Conexão Reta 6">
+            <a:extLst>
+              <a:ext uri="{FF2B5EF4-FFF2-40B4-BE49-F238E27FC236}">
+                <a16:creationId xmlns:a16="http://schemas.microsoft.com/office/drawing/2014/main" id="{B5F431DD-6858-8EBA-C199-7695F471FB7D}"/>
+              </a:ext>
+            </a:extLst>
+          </p:cNvPr>
+          <p:cNvCxnSpPr>
+            <a:cxnSpLocks/>
+          </p:cNvCxnSpPr>
+          <p:nvPr/>
+        </p:nvCxnSpPr>
+        <p:spPr>
+          <a:xfrm flipH="1">
+            <a:off x="525517" y="6177541"/>
+            <a:ext cx="9743090" cy="0"/>
+          </a:xfrm>
+          <a:prstGeom prst="line">
+            <a:avLst/>
+          </a:prstGeom>
+        </p:spPr>
+        <p:style>
+          <a:lnRef idx="3">
+            <a:schemeClr val="dk1"/>
+          </a:lnRef>
+          <a:fillRef idx="0">
+            <a:schemeClr val="dk1"/>
+          </a:fillRef>
+          <a:effectRef idx="2">
+            <a:schemeClr val="dk1"/>
+          </a:effectRef>
+          <a:fontRef idx="minor">
+            <a:schemeClr val="tx1"/>
+          </a:fontRef>
+        </p:style>
+      </p:cxnSp>
+      <p:cxnSp>
+        <p:nvCxnSpPr>
+          <p:cNvPr id="12" name="Conexão Reta 11">
+            <a:extLst>
+              <a:ext uri="{FF2B5EF4-FFF2-40B4-BE49-F238E27FC236}">
+                <a16:creationId xmlns:a16="http://schemas.microsoft.com/office/drawing/2014/main" id="{64390504-A96B-218D-9E25-7EE931224A8F}"/>
+              </a:ext>
+            </a:extLst>
+          </p:cNvPr>
+          <p:cNvCxnSpPr>
+            <a:cxnSpLocks/>
+          </p:cNvCxnSpPr>
+          <p:nvPr/>
+        </p:nvCxnSpPr>
+        <p:spPr>
+          <a:xfrm flipH="1">
+            <a:off x="525517" y="451944"/>
+            <a:ext cx="8362989" cy="0"/>
+          </a:xfrm>
+          <a:prstGeom prst="line">
+            <a:avLst/>
+          </a:prstGeom>
+        </p:spPr>
+        <p:style>
+          <a:lnRef idx="3">
+            <a:schemeClr val="dk1"/>
+          </a:lnRef>
+          <a:fillRef idx="0">
+            <a:schemeClr val="dk1"/>
+          </a:fillRef>
+          <a:effectRef idx="2">
+            <a:schemeClr val="dk1"/>
+          </a:effectRef>
+          <a:fontRef idx="minor">
+            <a:schemeClr val="tx1"/>
+          </a:fontRef>
+        </p:style>
+      </p:cxnSp>
+      <p:cxnSp>
+        <p:nvCxnSpPr>
+          <p:cNvPr id="14" name="Conexão Reta 13">
+            <a:extLst>
+              <a:ext uri="{FF2B5EF4-FFF2-40B4-BE49-F238E27FC236}">
+                <a16:creationId xmlns:a16="http://schemas.microsoft.com/office/drawing/2014/main" id="{427E3120-8B74-AF9C-2E8B-F8CC94020581}"/>
+              </a:ext>
+            </a:extLst>
+          </p:cNvPr>
+          <p:cNvCxnSpPr>
+            <a:cxnSpLocks/>
+          </p:cNvCxnSpPr>
+          <p:nvPr/>
+        </p:nvCxnSpPr>
+        <p:spPr>
+          <a:xfrm>
+            <a:off x="11650717" y="1304365"/>
+            <a:ext cx="0" cy="4872598"/>
+          </a:xfrm>
+          <a:prstGeom prst="line">
+            <a:avLst/>
+          </a:prstGeom>
+        </p:spPr>
+        <p:style>
+          <a:lnRef idx="3">
+            <a:schemeClr val="dk1"/>
+          </a:lnRef>
+          <a:fillRef idx="0">
+            <a:schemeClr val="dk1"/>
+          </a:fillRef>
+          <a:effectRef idx="2">
+            <a:schemeClr val="dk1"/>
+          </a:effectRef>
+          <a:fontRef idx="minor">
+            <a:schemeClr val="tx1"/>
+          </a:fontRef>
+        </p:style>
+      </p:cxnSp>
+      <p:cxnSp>
+        <p:nvCxnSpPr>
+          <p:cNvPr id="18" name="Conexão Reta 17">
+            <a:extLst>
+              <a:ext uri="{FF2B5EF4-FFF2-40B4-BE49-F238E27FC236}">
+                <a16:creationId xmlns:a16="http://schemas.microsoft.com/office/drawing/2014/main" id="{F575CB69-1E16-189F-CCB2-9D6C70E2A4C9}"/>
+              </a:ext>
+            </a:extLst>
+          </p:cNvPr>
+          <p:cNvCxnSpPr>
+            <a:cxnSpLocks/>
+          </p:cNvCxnSpPr>
+          <p:nvPr/>
+        </p:nvCxnSpPr>
+        <p:spPr>
+          <a:xfrm flipH="1">
+            <a:off x="11470341" y="6176963"/>
+            <a:ext cx="180376" cy="0"/>
+          </a:xfrm>
+          <a:prstGeom prst="line">
+            <a:avLst/>
+          </a:prstGeom>
+        </p:spPr>
+        <p:style>
+          <a:lnRef idx="3">
+            <a:schemeClr val="dk1"/>
+          </a:lnRef>
+          <a:fillRef idx="0">
+            <a:schemeClr val="dk1"/>
+          </a:fillRef>
+          <a:effectRef idx="2">
+            <a:schemeClr val="dk1"/>
+          </a:effectRef>
+          <a:fontRef idx="minor">
+            <a:schemeClr val="tx1"/>
+          </a:fontRef>
+        </p:style>
+      </p:cxnSp>
     </p:spTree>
     <p:extLst>
       <p:ext uri="{BB962C8B-B14F-4D97-AF65-F5344CB8AC3E}">
@@ -4955,6 +5153,18 @@
   <p:clrMapOvr>
     <a:masterClrMapping/>
   </p:clrMapOvr>
+  <mc:AlternateContent xmlns:mc="http://schemas.openxmlformats.org/markup-compatibility/2006">
+    <mc:Choice xmlns:p159="http://schemas.microsoft.com/office/powerpoint/2015/09/main" Requires="p159">
+      <p:transition xmlns:p14="http://schemas.microsoft.com/office/powerpoint/2010/main" spd="slow" p14:dur="2000">
+        <p159:morph option="byObject"/>
+      </p:transition>
+    </mc:Choice>
+    <mc:Fallback>
+      <p:transition spd="slow">
+        <p:fade/>
+      </p:transition>
+    </mc:Fallback>
+  </mc:AlternateContent>
 </p:sld>
 </file>
 
@@ -5990,6 +6200,239 @@
           </a:p>
         </p:txBody>
       </p:sp>
+      <p:cxnSp>
+        <p:nvCxnSpPr>
+          <p:cNvPr id="5" name="Conexão Reta 4">
+            <a:extLst>
+              <a:ext uri="{FF2B5EF4-FFF2-40B4-BE49-F238E27FC236}">
+                <a16:creationId xmlns:a16="http://schemas.microsoft.com/office/drawing/2014/main" id="{0033B71A-8E47-24C2-FC14-40E56F67655C}"/>
+              </a:ext>
+            </a:extLst>
+          </p:cNvPr>
+          <p:cNvCxnSpPr>
+            <a:cxnSpLocks/>
+          </p:cNvCxnSpPr>
+          <p:nvPr/>
+        </p:nvCxnSpPr>
+        <p:spPr>
+          <a:xfrm>
+            <a:off x="525517" y="451944"/>
+            <a:ext cx="0" cy="5725019"/>
+          </a:xfrm>
+          <a:prstGeom prst="line">
+            <a:avLst/>
+          </a:prstGeom>
+        </p:spPr>
+        <p:style>
+          <a:lnRef idx="3">
+            <a:schemeClr val="dk1"/>
+          </a:lnRef>
+          <a:fillRef idx="0">
+            <a:schemeClr val="dk1"/>
+          </a:fillRef>
+          <a:effectRef idx="2">
+            <a:schemeClr val="dk1"/>
+          </a:effectRef>
+          <a:fontRef idx="minor">
+            <a:schemeClr val="tx1"/>
+          </a:fontRef>
+        </p:style>
+      </p:cxnSp>
+      <p:cxnSp>
+        <p:nvCxnSpPr>
+          <p:cNvPr id="6" name="Conexão Reta 5">
+            <a:extLst>
+              <a:ext uri="{FF2B5EF4-FFF2-40B4-BE49-F238E27FC236}">
+                <a16:creationId xmlns:a16="http://schemas.microsoft.com/office/drawing/2014/main" id="{08E529B5-950A-E8C8-1539-35E15C50CCA2}"/>
+              </a:ext>
+            </a:extLst>
+          </p:cNvPr>
+          <p:cNvCxnSpPr>
+            <a:cxnSpLocks/>
+          </p:cNvCxnSpPr>
+          <p:nvPr/>
+        </p:nvCxnSpPr>
+        <p:spPr>
+          <a:xfrm flipH="1">
+            <a:off x="525517" y="6177541"/>
+            <a:ext cx="9743090" cy="0"/>
+          </a:xfrm>
+          <a:prstGeom prst="line">
+            <a:avLst/>
+          </a:prstGeom>
+        </p:spPr>
+        <p:style>
+          <a:lnRef idx="3">
+            <a:schemeClr val="dk1"/>
+          </a:lnRef>
+          <a:fillRef idx="0">
+            <a:schemeClr val="dk1"/>
+          </a:fillRef>
+          <a:effectRef idx="2">
+            <a:schemeClr val="dk1"/>
+          </a:effectRef>
+          <a:fontRef idx="minor">
+            <a:schemeClr val="tx1"/>
+          </a:fontRef>
+        </p:style>
+      </p:cxnSp>
+      <p:cxnSp>
+        <p:nvCxnSpPr>
+          <p:cNvPr id="7" name="Conexão Reta 6">
+            <a:extLst>
+              <a:ext uri="{FF2B5EF4-FFF2-40B4-BE49-F238E27FC236}">
+                <a16:creationId xmlns:a16="http://schemas.microsoft.com/office/drawing/2014/main" id="{8059F1CC-F418-0171-19B3-7CBC68072BDE}"/>
+              </a:ext>
+            </a:extLst>
+          </p:cNvPr>
+          <p:cNvCxnSpPr>
+            <a:cxnSpLocks/>
+          </p:cNvCxnSpPr>
+          <p:nvPr/>
+        </p:nvCxnSpPr>
+        <p:spPr>
+          <a:xfrm flipH="1">
+            <a:off x="525517" y="451944"/>
+            <a:ext cx="8362989" cy="0"/>
+          </a:xfrm>
+          <a:prstGeom prst="line">
+            <a:avLst/>
+          </a:prstGeom>
+        </p:spPr>
+        <p:style>
+          <a:lnRef idx="3">
+            <a:schemeClr val="dk1"/>
+          </a:lnRef>
+          <a:fillRef idx="0">
+            <a:schemeClr val="dk1"/>
+          </a:fillRef>
+          <a:effectRef idx="2">
+            <a:schemeClr val="dk1"/>
+          </a:effectRef>
+          <a:fontRef idx="minor">
+            <a:schemeClr val="tx1"/>
+          </a:fontRef>
+        </p:style>
+      </p:cxnSp>
+      <p:cxnSp>
+        <p:nvCxnSpPr>
+          <p:cNvPr id="8" name="Conexão Reta 7">
+            <a:extLst>
+              <a:ext uri="{FF2B5EF4-FFF2-40B4-BE49-F238E27FC236}">
+                <a16:creationId xmlns:a16="http://schemas.microsoft.com/office/drawing/2014/main" id="{F6A5B7DD-3BE5-68C5-BF36-36243F0C8244}"/>
+              </a:ext>
+            </a:extLst>
+          </p:cNvPr>
+          <p:cNvCxnSpPr>
+            <a:cxnSpLocks/>
+          </p:cNvCxnSpPr>
+          <p:nvPr/>
+        </p:nvCxnSpPr>
+        <p:spPr>
+          <a:xfrm>
+            <a:off x="11650717" y="1304365"/>
+            <a:ext cx="0" cy="4872598"/>
+          </a:xfrm>
+          <a:prstGeom prst="line">
+            <a:avLst/>
+          </a:prstGeom>
+        </p:spPr>
+        <p:style>
+          <a:lnRef idx="3">
+            <a:schemeClr val="dk1"/>
+          </a:lnRef>
+          <a:fillRef idx="0">
+            <a:schemeClr val="dk1"/>
+          </a:fillRef>
+          <a:effectRef idx="2">
+            <a:schemeClr val="dk1"/>
+          </a:effectRef>
+          <a:fontRef idx="minor">
+            <a:schemeClr val="tx1"/>
+          </a:fontRef>
+        </p:style>
+      </p:cxnSp>
+      <p:cxnSp>
+        <p:nvCxnSpPr>
+          <p:cNvPr id="9" name="Conexão Reta 8">
+            <a:extLst>
+              <a:ext uri="{FF2B5EF4-FFF2-40B4-BE49-F238E27FC236}">
+                <a16:creationId xmlns:a16="http://schemas.microsoft.com/office/drawing/2014/main" id="{82AFF6CA-0A03-A5B4-4C6F-5B8041F4D40C}"/>
+              </a:ext>
+            </a:extLst>
+          </p:cNvPr>
+          <p:cNvCxnSpPr>
+            <a:cxnSpLocks/>
+          </p:cNvCxnSpPr>
+          <p:nvPr/>
+        </p:nvCxnSpPr>
+        <p:spPr>
+          <a:xfrm flipH="1">
+            <a:off x="11470341" y="6176963"/>
+            <a:ext cx="180376" cy="0"/>
+          </a:xfrm>
+          <a:prstGeom prst="line">
+            <a:avLst/>
+          </a:prstGeom>
+        </p:spPr>
+        <p:style>
+          <a:lnRef idx="3">
+            <a:schemeClr val="dk1"/>
+          </a:lnRef>
+          <a:fillRef idx="0">
+            <a:schemeClr val="dk1"/>
+          </a:fillRef>
+          <a:effectRef idx="2">
+            <a:schemeClr val="dk1"/>
+          </a:effectRef>
+          <a:fontRef idx="minor">
+            <a:schemeClr val="tx1"/>
+          </a:fontRef>
+        </p:style>
+      </p:cxnSp>
+      <p:pic>
+        <p:nvPicPr>
+          <p:cNvPr id="11" name="Imagem 10" descr="Uma imagem com eletrónica&#10;&#10;Descrição gerada automaticamente">
+            <a:extLst>
+              <a:ext uri="{FF2B5EF4-FFF2-40B4-BE49-F238E27FC236}">
+                <a16:creationId xmlns:a16="http://schemas.microsoft.com/office/drawing/2014/main" id="{D3A2908B-398F-F606-A143-670A17BDBA9C}"/>
+              </a:ext>
+            </a:extLst>
+          </p:cNvPr>
+          <p:cNvPicPr>
+            <a:picLocks noChangeAspect="1"/>
+          </p:cNvPicPr>
+          <p:nvPr/>
+        </p:nvPicPr>
+        <p:blipFill>
+          <a:blip r:embed="rId3">
+            <a:alphaModFix amt="70000"/>
+            <a:extLst>
+              <a:ext uri="{BEBA8EAE-BF5A-486C-A8C5-ECC9F3942E4B}">
+                <a14:imgProps xmlns:a14="http://schemas.microsoft.com/office/drawing/2010/main">
+                  <a14:imgLayer r:embed="rId4">
+                    <a14:imgEffect>
+                      <a14:sharpenSoften amount="-50000"/>
+                    </a14:imgEffect>
+                  </a14:imgLayer>
+                </a14:imgProps>
+              </a:ext>
+            </a:extLst>
+          </a:blip>
+          <a:stretch>
+            <a:fillRect/>
+          </a:stretch>
+        </p:blipFill>
+        <p:spPr>
+          <a:xfrm rot="2157517">
+            <a:off x="9412865" y="3937090"/>
+            <a:ext cx="1927669" cy="1285113"/>
+          </a:xfrm>
+          <a:prstGeom prst="rect">
+            <a:avLst/>
+          </a:prstGeom>
+        </p:spPr>
+      </p:pic>
     </p:spTree>
     <p:extLst>
       <p:ext uri="{BB962C8B-B14F-4D97-AF65-F5344CB8AC3E}">
@@ -6000,6 +6443,18 @@
   <p:clrMapOvr>
     <a:masterClrMapping/>
   </p:clrMapOvr>
+  <mc:AlternateContent xmlns:mc="http://schemas.openxmlformats.org/markup-compatibility/2006">
+    <mc:Choice xmlns:p159="http://schemas.microsoft.com/office/powerpoint/2015/09/main" Requires="p159">
+      <p:transition xmlns:p14="http://schemas.microsoft.com/office/powerpoint/2010/main" spd="slow" p14:dur="2000">
+        <p159:morph option="byObject"/>
+      </p:transition>
+    </mc:Choice>
+    <mc:Fallback>
+      <p:transition spd="slow">
+        <p:fade/>
+      </p:transition>
+    </mc:Fallback>
+  </mc:AlternateContent>
 </p:sld>
 </file>
 
@@ -6087,7 +6542,7 @@
         <p:spPr/>
         <p:txBody>
           <a:bodyPr>
-            <a:normAutofit fontScale="92500" lnSpcReduction="10000"/>
+            <a:normAutofit/>
           </a:bodyPr>
           <a:lstStyle/>
           <a:p>
@@ -6097,28 +6552,46 @@
               </a:lnSpc>
             </a:pPr>
             <a:r>
+              <a:rPr lang="pt-PT" dirty="0" err="1">
+                <a:latin typeface="Georgia" panose="02040502050405020303" pitchFamily="18" charset="0"/>
+              </a:rPr>
+              <a:t>It</a:t>
+            </a:r>
+            <a:r>
               <a:rPr lang="pt-PT" dirty="0">
                 <a:latin typeface="Georgia" panose="02040502050405020303" pitchFamily="18" charset="0"/>
               </a:rPr>
-              <a:t>MIDI </a:t>
+              <a:t> </a:t>
             </a:r>
             <a:r>
               <a:rPr lang="pt-PT" dirty="0" err="1">
                 <a:latin typeface="Georgia" panose="02040502050405020303" pitchFamily="18" charset="0"/>
               </a:rPr>
-              <a:t>doesn't</a:t>
+              <a:t>allows</a:t>
             </a:r>
             <a:r>
               <a:rPr lang="pt-PT" dirty="0">
                 <a:latin typeface="Georgia" panose="02040502050405020303" pitchFamily="18" charset="0"/>
               </a:rPr>
+              <a:t> for </a:t>
+            </a:r>
+            <a:r>
+              <a:rPr lang="pt-PT" dirty="0" err="1">
+                <a:latin typeface="Georgia" panose="02040502050405020303" pitchFamily="18" charset="0"/>
+              </a:rPr>
+              <a:t>track</a:t>
+            </a:r>
+            <a:r>
+              <a:rPr lang="pt-PT" dirty="0">
+                <a:latin typeface="Georgia" panose="02040502050405020303" pitchFamily="18" charset="0"/>
+              </a:rPr>
               <a:t> </a:t>
             </a:r>
             <a:r>
               <a:rPr lang="pt-PT" dirty="0" err="1">
                 <a:latin typeface="Georgia" panose="02040502050405020303" pitchFamily="18" charset="0"/>
               </a:rPr>
-              <a:t>produce</a:t>
+              <a:t>composition</a:t>
             </a:r>
             <a:r>
               <a:rPr lang="pt-PT" dirty="0">
@@ -6130,7 +6603,7 @@
               <a:rPr lang="pt-PT" dirty="0" err="1">
                 <a:latin typeface="Georgia" panose="02040502050405020303" pitchFamily="18" charset="0"/>
               </a:rPr>
-              <a:t>audio</a:t>
+              <a:t>and</a:t>
             </a:r>
             <a:r>
               <a:rPr lang="pt-PT" dirty="0">
@@ -6142,31 +6615,91 @@
               <a:rPr lang="pt-PT" dirty="0" err="1">
                 <a:latin typeface="Georgia" panose="02040502050405020303" pitchFamily="18" charset="0"/>
               </a:rPr>
-              <a:t>but</a:t>
+              <a:t>editing</a:t>
             </a:r>
             <a:r>
               <a:rPr lang="pt-PT" dirty="0">
                 <a:latin typeface="Georgia" panose="02040502050405020303" pitchFamily="18" charset="0"/>
               </a:rPr>
+              <a:t>, </a:t>
+            </a:r>
+            <a:r>
+              <a:rPr lang="pt-PT" dirty="0" err="1">
+                <a:latin typeface="Georgia" panose="02040502050405020303" pitchFamily="18" charset="0"/>
+              </a:rPr>
+              <a:t>including</a:t>
+            </a:r>
+            <a:r>
+              <a:rPr lang="pt-PT" dirty="0">
+                <a:latin typeface="Georgia" panose="02040502050405020303" pitchFamily="18" charset="0"/>
+              </a:rPr>
+              <a:t> timbre, </a:t>
+            </a:r>
+            <a:r>
+              <a:rPr lang="pt-PT" dirty="0" err="1">
+                <a:latin typeface="Georgia" panose="02040502050405020303" pitchFamily="18" charset="0"/>
+              </a:rPr>
+              <a:t>intensity</a:t>
+            </a:r>
+            <a:r>
+              <a:rPr lang="pt-PT" dirty="0">
+                <a:latin typeface="Georgia" panose="02040502050405020303" pitchFamily="18" charset="0"/>
+              </a:rPr>
+              <a:t>, </a:t>
+            </a:r>
+            <a:r>
+              <a:rPr lang="pt-PT" dirty="0" err="1">
+                <a:latin typeface="Georgia" panose="02040502050405020303" pitchFamily="18" charset="0"/>
+              </a:rPr>
+              <a:t>pitch</a:t>
+            </a:r>
+            <a:r>
+              <a:rPr lang="pt-PT" dirty="0">
+                <a:latin typeface="Georgia" panose="02040502050405020303" pitchFamily="18" charset="0"/>
+              </a:rPr>
+              <a:t>, </a:t>
+            </a:r>
+            <a:r>
+              <a:rPr lang="pt-PT" dirty="0" err="1">
+                <a:latin typeface="Georgia" panose="02040502050405020303" pitchFamily="18" charset="0"/>
+              </a:rPr>
+              <a:t>velocity</a:t>
+            </a:r>
+            <a:r>
+              <a:rPr lang="pt-PT" dirty="0">
+                <a:latin typeface="Georgia" panose="02040502050405020303" pitchFamily="18" charset="0"/>
+              </a:rPr>
               <a:t> </a:t>
             </a:r>
             <a:r>
               <a:rPr lang="pt-PT" dirty="0" err="1">
                 <a:latin typeface="Georgia" panose="02040502050405020303" pitchFamily="18" charset="0"/>
               </a:rPr>
-              <a:t>operates</a:t>
+              <a:t>adjustments</a:t>
             </a:r>
             <a:r>
               <a:rPr lang="pt-PT" dirty="0">
                 <a:latin typeface="Georgia" panose="02040502050405020303" pitchFamily="18" charset="0"/>
               </a:rPr>
+              <a:t>, </a:t>
+            </a:r>
+            <a:r>
+              <a:rPr lang="pt-PT" dirty="0" err="1">
+                <a:latin typeface="Georgia" panose="02040502050405020303" pitchFamily="18" charset="0"/>
+              </a:rPr>
+              <a:t>and</a:t>
+            </a:r>
+            <a:r>
+              <a:rPr lang="pt-PT" dirty="0">
+                <a:latin typeface="Georgia" panose="02040502050405020303" pitchFamily="18" charset="0"/>
+              </a:rPr>
               <a:t> </a:t>
             </a:r>
             <a:r>
               <a:rPr lang="pt-PT" dirty="0" err="1">
                 <a:latin typeface="Georgia" panose="02040502050405020303" pitchFamily="18" charset="0"/>
               </a:rPr>
-              <a:t>with</a:t>
+              <a:t>effects</a:t>
             </a:r>
             <a:r>
               <a:rPr lang="pt-PT" dirty="0">
@@ -6178,13 +6711,13 @@
               <a:rPr lang="pt-PT" dirty="0" err="1">
                 <a:latin typeface="Georgia" panose="02040502050405020303" pitchFamily="18" charset="0"/>
               </a:rPr>
-              <a:t>binary</a:t>
+              <a:t>like</a:t>
             </a:r>
             <a:r>
               <a:rPr lang="pt-PT" dirty="0">
                 <a:latin typeface="Georgia" panose="02040502050405020303" pitchFamily="18" charset="0"/>
               </a:rPr>
-              <a:t> data.</a:t>
+              <a:t> vibrato.</a:t>
             </a:r>
           </a:p>
           <a:p>
@@ -6194,6 +6727,12 @@
               </a:lnSpc>
             </a:pPr>
             <a:r>
+              <a:rPr lang="pt-PT" dirty="0">
+                <a:latin typeface="Georgia" panose="02040502050405020303" pitchFamily="18" charset="0"/>
+              </a:rPr>
+              <a:t>Live Performances: </a:t>
+            </a:r>
+            <a:r>
               <a:rPr lang="pt-PT" dirty="0" err="1">
                 <a:latin typeface="Georgia" panose="02040502050405020303" pitchFamily="18" charset="0"/>
               </a:rPr>
@@ -6209,375 +6748,25 @@
               <a:rPr lang="pt-PT" dirty="0" err="1">
                 <a:latin typeface="Georgia" panose="02040502050405020303" pitchFamily="18" charset="0"/>
               </a:rPr>
-              <a:t>allows</a:t>
+              <a:t>enables</a:t>
             </a:r>
             <a:r>
               <a:rPr lang="pt-PT" dirty="0">
                 <a:latin typeface="Georgia" panose="02040502050405020303" pitchFamily="18" charset="0"/>
               </a:rPr>
-              <a:t> for </a:t>
+              <a:t> real-time </a:t>
             </a:r>
             <a:r>
               <a:rPr lang="pt-PT" dirty="0" err="1">
                 <a:latin typeface="Georgia" panose="02040502050405020303" pitchFamily="18" charset="0"/>
               </a:rPr>
-              <a:t>track</a:t>
+              <a:t>control</a:t>
             </a:r>
             <a:r>
               <a:rPr lang="pt-PT" dirty="0">
                 <a:latin typeface="Georgia" panose="02040502050405020303" pitchFamily="18" charset="0"/>
               </a:rPr>
               <a:t> </a:t>
-            </a:r>
-            <a:r>
-              <a:rPr lang="pt-PT" dirty="0" err="1">
-                <a:latin typeface="Georgia" panose="02040502050405020303" pitchFamily="18" charset="0"/>
-              </a:rPr>
-              <a:t>composition</a:t>
-            </a:r>
-            <a:r>
-              <a:rPr lang="pt-PT" dirty="0">
-                <a:latin typeface="Georgia" panose="02040502050405020303" pitchFamily="18" charset="0"/>
-              </a:rPr>
-              <a:t> </a:t>
-            </a:r>
-            <a:r>
-              <a:rPr lang="pt-PT" dirty="0" err="1">
-                <a:latin typeface="Georgia" panose="02040502050405020303" pitchFamily="18" charset="0"/>
-              </a:rPr>
-              <a:t>and</a:t>
-            </a:r>
-            <a:r>
-              <a:rPr lang="pt-PT" dirty="0">
-                <a:latin typeface="Georgia" panose="02040502050405020303" pitchFamily="18" charset="0"/>
-              </a:rPr>
-              <a:t> </a:t>
-            </a:r>
-            <a:r>
-              <a:rPr lang="pt-PT" dirty="0" err="1">
-                <a:latin typeface="Georgia" panose="02040502050405020303" pitchFamily="18" charset="0"/>
-              </a:rPr>
-              <a:t>editing</a:t>
-            </a:r>
-            <a:r>
-              <a:rPr lang="pt-PT" dirty="0">
-                <a:latin typeface="Georgia" panose="02040502050405020303" pitchFamily="18" charset="0"/>
-              </a:rPr>
-              <a:t>, </a:t>
-            </a:r>
-            <a:r>
-              <a:rPr lang="pt-PT" dirty="0" err="1">
-                <a:latin typeface="Georgia" panose="02040502050405020303" pitchFamily="18" charset="0"/>
-              </a:rPr>
-              <a:t>including</a:t>
-            </a:r>
-            <a:r>
-              <a:rPr lang="pt-PT" dirty="0">
-                <a:latin typeface="Georgia" panose="02040502050405020303" pitchFamily="18" charset="0"/>
-              </a:rPr>
-              <a:t> timbre, </a:t>
-            </a:r>
-            <a:r>
-              <a:rPr lang="pt-PT" dirty="0" err="1">
-                <a:latin typeface="Georgia" panose="02040502050405020303" pitchFamily="18" charset="0"/>
-              </a:rPr>
-              <a:t>intensity</a:t>
-            </a:r>
-            <a:r>
-              <a:rPr lang="pt-PT" dirty="0">
-                <a:latin typeface="Georgia" panose="02040502050405020303" pitchFamily="18" charset="0"/>
-              </a:rPr>
-              <a:t>, </a:t>
-            </a:r>
-            <a:r>
-              <a:rPr lang="pt-PT" dirty="0" err="1">
-                <a:latin typeface="Georgia" panose="02040502050405020303" pitchFamily="18" charset="0"/>
-              </a:rPr>
-              <a:t>pitch</a:t>
-            </a:r>
-            <a:r>
-              <a:rPr lang="pt-PT" dirty="0">
-                <a:latin typeface="Georgia" panose="02040502050405020303" pitchFamily="18" charset="0"/>
-              </a:rPr>
-              <a:t>, </a:t>
-            </a:r>
-            <a:r>
-              <a:rPr lang="pt-PT" dirty="0" err="1">
-                <a:latin typeface="Georgia" panose="02040502050405020303" pitchFamily="18" charset="0"/>
-              </a:rPr>
-              <a:t>velocity</a:t>
-            </a:r>
-            <a:r>
-              <a:rPr lang="pt-PT" dirty="0">
-                <a:latin typeface="Georgia" panose="02040502050405020303" pitchFamily="18" charset="0"/>
-              </a:rPr>
-              <a:t> </a:t>
-            </a:r>
-            <a:r>
-              <a:rPr lang="pt-PT" dirty="0" err="1">
-                <a:latin typeface="Georgia" panose="02040502050405020303" pitchFamily="18" charset="0"/>
-              </a:rPr>
-              <a:t>adjustments</a:t>
-            </a:r>
-            <a:r>
-              <a:rPr lang="pt-PT" dirty="0">
-                <a:latin typeface="Georgia" panose="02040502050405020303" pitchFamily="18" charset="0"/>
-              </a:rPr>
-              <a:t>, </a:t>
-            </a:r>
-            <a:r>
-              <a:rPr lang="pt-PT" dirty="0" err="1">
-                <a:latin typeface="Georgia" panose="02040502050405020303" pitchFamily="18" charset="0"/>
-              </a:rPr>
-              <a:t>and</a:t>
-            </a:r>
-            <a:r>
-              <a:rPr lang="pt-PT" dirty="0">
-                <a:latin typeface="Georgia" panose="02040502050405020303" pitchFamily="18" charset="0"/>
-              </a:rPr>
-              <a:t> </a:t>
-            </a:r>
-            <a:r>
-              <a:rPr lang="pt-PT" dirty="0" err="1">
-                <a:latin typeface="Georgia" panose="02040502050405020303" pitchFamily="18" charset="0"/>
-              </a:rPr>
-              <a:t>effects</a:t>
-            </a:r>
-            <a:r>
-              <a:rPr lang="pt-PT" dirty="0">
-                <a:latin typeface="Georgia" panose="02040502050405020303" pitchFamily="18" charset="0"/>
-              </a:rPr>
-              <a:t> </a:t>
-            </a:r>
-            <a:r>
-              <a:rPr lang="pt-PT" dirty="0" err="1">
-                <a:latin typeface="Georgia" panose="02040502050405020303" pitchFamily="18" charset="0"/>
-              </a:rPr>
-              <a:t>like</a:t>
-            </a:r>
-            <a:r>
-              <a:rPr lang="pt-PT" dirty="0">
-                <a:latin typeface="Georgia" panose="02040502050405020303" pitchFamily="18" charset="0"/>
-              </a:rPr>
-              <a:t> vibrato.</a:t>
-            </a:r>
-          </a:p>
-          <a:p>
-            <a:pPr>
-              <a:lnSpc>
-                <a:spcPct val="150000"/>
-              </a:lnSpc>
-            </a:pPr>
-            <a:r>
-              <a:rPr lang="pt-PT" dirty="0" err="1">
-                <a:latin typeface="Georgia" panose="02040502050405020303" pitchFamily="18" charset="0"/>
-              </a:rPr>
-              <a:t>MIDI's</a:t>
-            </a:r>
-            <a:r>
-              <a:rPr lang="pt-PT" dirty="0">
-                <a:latin typeface="Georgia" panose="02040502050405020303" pitchFamily="18" charset="0"/>
-              </a:rPr>
-              <a:t> </a:t>
-            </a:r>
-            <a:r>
-              <a:rPr lang="pt-PT" dirty="0" err="1">
-                <a:latin typeface="Georgia" panose="02040502050405020303" pitchFamily="18" charset="0"/>
-              </a:rPr>
-              <a:t>development</a:t>
-            </a:r>
-            <a:r>
-              <a:rPr lang="pt-PT" dirty="0">
-                <a:latin typeface="Georgia" panose="02040502050405020303" pitchFamily="18" charset="0"/>
-              </a:rPr>
-              <a:t> </a:t>
-            </a:r>
-            <a:r>
-              <a:rPr lang="pt-PT" dirty="0" err="1">
-                <a:latin typeface="Georgia" panose="02040502050405020303" pitchFamily="18" charset="0"/>
-              </a:rPr>
-              <a:t>facilitates</a:t>
-            </a:r>
-            <a:r>
-              <a:rPr lang="pt-PT" dirty="0">
-                <a:latin typeface="Georgia" panose="02040502050405020303" pitchFamily="18" charset="0"/>
-              </a:rPr>
-              <a:t> </a:t>
-            </a:r>
-            <a:r>
-              <a:rPr lang="pt-PT" dirty="0" err="1">
-                <a:latin typeface="Georgia" panose="02040502050405020303" pitchFamily="18" charset="0"/>
-              </a:rPr>
-              <a:t>interconnectivity</a:t>
-            </a:r>
-            <a:r>
-              <a:rPr lang="pt-PT" dirty="0">
-                <a:latin typeface="Georgia" panose="02040502050405020303" pitchFamily="18" charset="0"/>
-              </a:rPr>
-              <a:t> </a:t>
-            </a:r>
-            <a:r>
-              <a:rPr lang="pt-PT" dirty="0" err="1">
-                <a:latin typeface="Georgia" panose="02040502050405020303" pitchFamily="18" charset="0"/>
-              </a:rPr>
-              <a:t>between</a:t>
-            </a:r>
-            <a:r>
-              <a:rPr lang="pt-PT" dirty="0">
-                <a:latin typeface="Georgia" panose="02040502050405020303" pitchFamily="18" charset="0"/>
-              </a:rPr>
-              <a:t> </a:t>
-            </a:r>
-            <a:r>
-              <a:rPr lang="pt-PT" dirty="0" err="1">
-                <a:latin typeface="Georgia" panose="02040502050405020303" pitchFamily="18" charset="0"/>
-              </a:rPr>
-              <a:t>various</a:t>
-            </a:r>
-            <a:r>
-              <a:rPr lang="pt-PT" dirty="0">
-                <a:latin typeface="Georgia" panose="02040502050405020303" pitchFamily="18" charset="0"/>
-              </a:rPr>
-              <a:t> </a:t>
-            </a:r>
-            <a:r>
-              <a:rPr lang="pt-PT" dirty="0" err="1">
-                <a:latin typeface="Georgia" panose="02040502050405020303" pitchFamily="18" charset="0"/>
-              </a:rPr>
-              <a:t>studio</a:t>
-            </a:r>
-            <a:r>
-              <a:rPr lang="pt-PT" dirty="0">
-                <a:latin typeface="Georgia" panose="02040502050405020303" pitchFamily="18" charset="0"/>
-              </a:rPr>
-              <a:t> hardware.</a:t>
-            </a:r>
-          </a:p>
-          <a:p>
-            <a:pPr>
-              <a:lnSpc>
-                <a:spcPct val="150000"/>
-              </a:lnSpc>
-            </a:pPr>
-            <a:r>
-              <a:rPr lang="pt-PT" dirty="0" err="1">
-                <a:latin typeface="Georgia" panose="02040502050405020303" pitchFamily="18" charset="0"/>
-              </a:rPr>
-              <a:t>While</a:t>
-            </a:r>
-            <a:r>
-              <a:rPr lang="pt-PT" dirty="0">
-                <a:latin typeface="Georgia" panose="02040502050405020303" pitchFamily="18" charset="0"/>
-              </a:rPr>
-              <a:t> </a:t>
-            </a:r>
-            <a:r>
-              <a:rPr lang="pt-PT" dirty="0" err="1">
-                <a:latin typeface="Georgia" panose="02040502050405020303" pitchFamily="18" charset="0"/>
-              </a:rPr>
-              <a:t>initially</a:t>
-            </a:r>
-            <a:r>
-              <a:rPr lang="pt-PT" dirty="0">
-                <a:latin typeface="Georgia" panose="02040502050405020303" pitchFamily="18" charset="0"/>
-              </a:rPr>
-              <a:t> </a:t>
-            </a:r>
-            <a:r>
-              <a:rPr lang="pt-PT" dirty="0" err="1">
-                <a:latin typeface="Georgia" panose="02040502050405020303" pitchFamily="18" charset="0"/>
-              </a:rPr>
-              <a:t>challenging</a:t>
-            </a:r>
-            <a:r>
-              <a:rPr lang="pt-PT" dirty="0">
-                <a:latin typeface="Georgia" panose="02040502050405020303" pitchFamily="18" charset="0"/>
-              </a:rPr>
-              <a:t>, </a:t>
-            </a:r>
-            <a:r>
-              <a:rPr lang="pt-PT" dirty="0" err="1">
-                <a:latin typeface="Georgia" panose="02040502050405020303" pitchFamily="18" charset="0"/>
-              </a:rPr>
-              <a:t>the</a:t>
-            </a:r>
-            <a:r>
-              <a:rPr lang="pt-PT" dirty="0">
-                <a:latin typeface="Georgia" panose="02040502050405020303" pitchFamily="18" charset="0"/>
-              </a:rPr>
-              <a:t> </a:t>
-            </a:r>
-            <a:r>
-              <a:rPr lang="pt-PT" dirty="0" err="1">
-                <a:latin typeface="Georgia" panose="02040502050405020303" pitchFamily="18" charset="0"/>
-              </a:rPr>
-              <a:t>benefits</a:t>
-            </a:r>
-            <a:r>
-              <a:rPr lang="pt-PT" dirty="0">
-                <a:latin typeface="Georgia" panose="02040502050405020303" pitchFamily="18" charset="0"/>
-              </a:rPr>
-              <a:t> </a:t>
-            </a:r>
-            <a:r>
-              <a:rPr lang="pt-PT" dirty="0" err="1">
-                <a:latin typeface="Georgia" panose="02040502050405020303" pitchFamily="18" charset="0"/>
-              </a:rPr>
-              <a:t>of</a:t>
-            </a:r>
-            <a:r>
-              <a:rPr lang="pt-PT" dirty="0">
-                <a:latin typeface="Georgia" panose="02040502050405020303" pitchFamily="18" charset="0"/>
-              </a:rPr>
-              <a:t> MIDI </a:t>
-            </a:r>
-            <a:r>
-              <a:rPr lang="pt-PT" dirty="0" err="1">
-                <a:latin typeface="Georgia" panose="02040502050405020303" pitchFamily="18" charset="0"/>
-              </a:rPr>
-              <a:t>far</a:t>
-            </a:r>
-            <a:r>
-              <a:rPr lang="pt-PT" dirty="0">
-                <a:latin typeface="Georgia" panose="02040502050405020303" pitchFamily="18" charset="0"/>
-              </a:rPr>
-              <a:t> </a:t>
-            </a:r>
-            <a:r>
-              <a:rPr lang="pt-PT" dirty="0" err="1">
-                <a:latin typeface="Georgia" panose="02040502050405020303" pitchFamily="18" charset="0"/>
-              </a:rPr>
-              <a:t>outweigh</a:t>
-            </a:r>
-            <a:r>
-              <a:rPr lang="pt-PT" dirty="0">
-                <a:latin typeface="Georgia" panose="02040502050405020303" pitchFamily="18" charset="0"/>
-              </a:rPr>
-              <a:t> </a:t>
-            </a:r>
-            <a:r>
-              <a:rPr lang="pt-PT" dirty="0" err="1">
-                <a:latin typeface="Georgia" panose="02040502050405020303" pitchFamily="18" charset="0"/>
-              </a:rPr>
-              <a:t>the</a:t>
-            </a:r>
-            <a:r>
-              <a:rPr lang="pt-PT" dirty="0">
-                <a:latin typeface="Georgia" panose="02040502050405020303" pitchFamily="18" charset="0"/>
-              </a:rPr>
-              <a:t> </a:t>
-            </a:r>
-            <a:r>
-              <a:rPr lang="pt-PT" dirty="0" err="1">
-                <a:latin typeface="Georgia" panose="02040502050405020303" pitchFamily="18" charset="0"/>
-              </a:rPr>
-              <a:t>learning</a:t>
-            </a:r>
-            <a:r>
-              <a:rPr lang="pt-PT" dirty="0">
-                <a:latin typeface="Georgia" panose="02040502050405020303" pitchFamily="18" charset="0"/>
-              </a:rPr>
-              <a:t> curve.</a:t>
             </a:r>
           </a:p>
         </p:txBody>
@@ -7046,6 +7235,196 @@
           </a:p>
         </p:txBody>
       </p:sp>
+      <p:cxnSp>
+        <p:nvCxnSpPr>
+          <p:cNvPr id="12" name="Conexão Reta 11">
+            <a:extLst>
+              <a:ext uri="{FF2B5EF4-FFF2-40B4-BE49-F238E27FC236}">
+                <a16:creationId xmlns:a16="http://schemas.microsoft.com/office/drawing/2014/main" id="{981EA60E-F25C-632D-D461-7E02A8917412}"/>
+              </a:ext>
+            </a:extLst>
+          </p:cNvPr>
+          <p:cNvCxnSpPr>
+            <a:cxnSpLocks/>
+          </p:cNvCxnSpPr>
+          <p:nvPr/>
+        </p:nvCxnSpPr>
+        <p:spPr>
+          <a:xfrm>
+            <a:off x="525517" y="451944"/>
+            <a:ext cx="0" cy="5725019"/>
+          </a:xfrm>
+          <a:prstGeom prst="line">
+            <a:avLst/>
+          </a:prstGeom>
+        </p:spPr>
+        <p:style>
+          <a:lnRef idx="3">
+            <a:schemeClr val="dk1"/>
+          </a:lnRef>
+          <a:fillRef idx="0">
+            <a:schemeClr val="dk1"/>
+          </a:fillRef>
+          <a:effectRef idx="2">
+            <a:schemeClr val="dk1"/>
+          </a:effectRef>
+          <a:fontRef idx="minor">
+            <a:schemeClr val="tx1"/>
+          </a:fontRef>
+        </p:style>
+      </p:cxnSp>
+      <p:cxnSp>
+        <p:nvCxnSpPr>
+          <p:cNvPr id="13" name="Conexão Reta 12">
+            <a:extLst>
+              <a:ext uri="{FF2B5EF4-FFF2-40B4-BE49-F238E27FC236}">
+                <a16:creationId xmlns:a16="http://schemas.microsoft.com/office/drawing/2014/main" id="{54BF8241-AF05-9FCA-18A3-6705623A5F55}"/>
+              </a:ext>
+            </a:extLst>
+          </p:cNvPr>
+          <p:cNvCxnSpPr>
+            <a:cxnSpLocks/>
+          </p:cNvCxnSpPr>
+          <p:nvPr/>
+        </p:nvCxnSpPr>
+        <p:spPr>
+          <a:xfrm flipH="1">
+            <a:off x="525517" y="6177541"/>
+            <a:ext cx="9743090" cy="0"/>
+          </a:xfrm>
+          <a:prstGeom prst="line">
+            <a:avLst/>
+          </a:prstGeom>
+        </p:spPr>
+        <p:style>
+          <a:lnRef idx="3">
+            <a:schemeClr val="dk1"/>
+          </a:lnRef>
+          <a:fillRef idx="0">
+            <a:schemeClr val="dk1"/>
+          </a:fillRef>
+          <a:effectRef idx="2">
+            <a:schemeClr val="dk1"/>
+          </a:effectRef>
+          <a:fontRef idx="minor">
+            <a:schemeClr val="tx1"/>
+          </a:fontRef>
+        </p:style>
+      </p:cxnSp>
+      <p:cxnSp>
+        <p:nvCxnSpPr>
+          <p:cNvPr id="14" name="Conexão Reta 13">
+            <a:extLst>
+              <a:ext uri="{FF2B5EF4-FFF2-40B4-BE49-F238E27FC236}">
+                <a16:creationId xmlns:a16="http://schemas.microsoft.com/office/drawing/2014/main" id="{FF655926-DC77-A4DA-A222-6CFB5D1A1E4C}"/>
+              </a:ext>
+            </a:extLst>
+          </p:cNvPr>
+          <p:cNvCxnSpPr>
+            <a:cxnSpLocks/>
+          </p:cNvCxnSpPr>
+          <p:nvPr/>
+        </p:nvCxnSpPr>
+        <p:spPr>
+          <a:xfrm flipH="1">
+            <a:off x="525517" y="451944"/>
+            <a:ext cx="8362989" cy="0"/>
+          </a:xfrm>
+          <a:prstGeom prst="line">
+            <a:avLst/>
+          </a:prstGeom>
+        </p:spPr>
+        <p:style>
+          <a:lnRef idx="3">
+            <a:schemeClr val="dk1"/>
+          </a:lnRef>
+          <a:fillRef idx="0">
+            <a:schemeClr val="dk1"/>
+          </a:fillRef>
+          <a:effectRef idx="2">
+            <a:schemeClr val="dk1"/>
+          </a:effectRef>
+          <a:fontRef idx="minor">
+            <a:schemeClr val="tx1"/>
+          </a:fontRef>
+        </p:style>
+      </p:cxnSp>
+      <p:cxnSp>
+        <p:nvCxnSpPr>
+          <p:cNvPr id="15" name="Conexão Reta 14">
+            <a:extLst>
+              <a:ext uri="{FF2B5EF4-FFF2-40B4-BE49-F238E27FC236}">
+                <a16:creationId xmlns:a16="http://schemas.microsoft.com/office/drawing/2014/main" id="{5C3AB393-2662-96A0-26B8-147594DAC156}"/>
+              </a:ext>
+            </a:extLst>
+          </p:cNvPr>
+          <p:cNvCxnSpPr>
+            <a:cxnSpLocks/>
+          </p:cNvCxnSpPr>
+          <p:nvPr/>
+        </p:nvCxnSpPr>
+        <p:spPr>
+          <a:xfrm>
+            <a:off x="11650717" y="1304365"/>
+            <a:ext cx="0" cy="4872598"/>
+          </a:xfrm>
+          <a:prstGeom prst="line">
+            <a:avLst/>
+          </a:prstGeom>
+        </p:spPr>
+        <p:style>
+          <a:lnRef idx="3">
+            <a:schemeClr val="dk1"/>
+          </a:lnRef>
+          <a:fillRef idx="0">
+            <a:schemeClr val="dk1"/>
+          </a:fillRef>
+          <a:effectRef idx="2">
+            <a:schemeClr val="dk1"/>
+          </a:effectRef>
+          <a:fontRef idx="minor">
+            <a:schemeClr val="tx1"/>
+          </a:fontRef>
+        </p:style>
+      </p:cxnSp>
+      <p:cxnSp>
+        <p:nvCxnSpPr>
+          <p:cNvPr id="18" name="Conexão Reta 17">
+            <a:extLst>
+              <a:ext uri="{FF2B5EF4-FFF2-40B4-BE49-F238E27FC236}">
+                <a16:creationId xmlns:a16="http://schemas.microsoft.com/office/drawing/2014/main" id="{CFD468F7-6814-1E9C-49CE-512774EE2CA6}"/>
+              </a:ext>
+            </a:extLst>
+          </p:cNvPr>
+          <p:cNvCxnSpPr>
+            <a:cxnSpLocks/>
+          </p:cNvCxnSpPr>
+          <p:nvPr/>
+        </p:nvCxnSpPr>
+        <p:spPr>
+          <a:xfrm flipH="1">
+            <a:off x="11470341" y="6176963"/>
+            <a:ext cx="180376" cy="0"/>
+          </a:xfrm>
+          <a:prstGeom prst="line">
+            <a:avLst/>
+          </a:prstGeom>
+        </p:spPr>
+        <p:style>
+          <a:lnRef idx="3">
+            <a:schemeClr val="dk1"/>
+          </a:lnRef>
+          <a:fillRef idx="0">
+            <a:schemeClr val="dk1"/>
+          </a:fillRef>
+          <a:effectRef idx="2">
+            <a:schemeClr val="dk1"/>
+          </a:effectRef>
+          <a:fontRef idx="minor">
+            <a:schemeClr val="tx1"/>
+          </a:fontRef>
+        </p:style>
+      </p:cxnSp>
     </p:spTree>
     <p:extLst>
       <p:ext uri="{BB962C8B-B14F-4D97-AF65-F5344CB8AC3E}">
@@ -7056,6 +7435,457 @@
   <p:clrMapOvr>
     <a:masterClrMapping/>
   </p:clrMapOvr>
+  <mc:AlternateContent xmlns:mc="http://schemas.openxmlformats.org/markup-compatibility/2006">
+    <mc:Choice xmlns:p159="http://schemas.microsoft.com/office/powerpoint/2015/09/main" Requires="p159">
+      <p:transition xmlns:p14="http://schemas.microsoft.com/office/powerpoint/2010/main" spd="slow" p14:dur="2000">
+        <p159:morph option="byObject"/>
+      </p:transition>
+    </mc:Choice>
+    <mc:Fallback>
+      <p:transition spd="slow">
+        <p:fade/>
+      </p:transition>
+    </mc:Fallback>
+  </mc:AlternateContent>
+</p:sld>
+</file>
+
+<file path=ppt/slides/slide5.xml><?xml version="1.0" encoding="utf-8"?>
+<p:sld xmlns:a="http://schemas.openxmlformats.org/drawingml/2006/main" xmlns:r="http://schemas.openxmlformats.org/officeDocument/2006/relationships" xmlns:p="http://schemas.openxmlformats.org/presentationml/2006/main">
+  <p:cSld>
+    <p:spTree>
+      <p:nvGrpSpPr>
+        <p:cNvPr id="1" name=""/>
+        <p:cNvGrpSpPr/>
+        <p:nvPr/>
+      </p:nvGrpSpPr>
+      <p:grpSpPr>
+        <a:xfrm>
+          <a:off x="0" y="0"/>
+          <a:ext cx="0" cy="0"/>
+          <a:chOff x="0" y="0"/>
+          <a:chExt cx="0" cy="0"/>
+        </a:xfrm>
+      </p:grpSpPr>
+      <p:pic>
+        <p:nvPicPr>
+          <p:cNvPr id="4" name="Imagem 3" descr="Uma imagem com Tipo de letra, Gráficos, preto, design&#10;&#10;Descrição gerada automaticamente">
+            <a:extLst>
+              <a:ext uri="{FF2B5EF4-FFF2-40B4-BE49-F238E27FC236}">
+                <a16:creationId xmlns:a16="http://schemas.microsoft.com/office/drawing/2014/main" id="{4F96F5DB-A3A0-AC58-DFD7-E4AFD0F437E8}"/>
+              </a:ext>
+            </a:extLst>
+          </p:cNvPr>
+          <p:cNvPicPr>
+            <a:picLocks noChangeAspect="1"/>
+          </p:cNvPicPr>
+          <p:nvPr/>
+        </p:nvPicPr>
+        <p:blipFill>
+          <a:blip r:embed="rId2"/>
+          <a:stretch>
+            <a:fillRect/>
+          </a:stretch>
+        </p:blipFill>
+        <p:spPr>
+          <a:xfrm>
+            <a:off x="9063033" y="142880"/>
+            <a:ext cx="2986087" cy="1035989"/>
+          </a:xfrm>
+          <a:prstGeom prst="rect">
+            <a:avLst/>
+          </a:prstGeom>
+        </p:spPr>
+      </p:pic>
+      <p:cxnSp>
+        <p:nvCxnSpPr>
+          <p:cNvPr id="12" name="Conexão Reta 11">
+            <a:extLst>
+              <a:ext uri="{FF2B5EF4-FFF2-40B4-BE49-F238E27FC236}">
+                <a16:creationId xmlns:a16="http://schemas.microsoft.com/office/drawing/2014/main" id="{981EA60E-F25C-632D-D461-7E02A8917412}"/>
+              </a:ext>
+            </a:extLst>
+          </p:cNvPr>
+          <p:cNvCxnSpPr>
+            <a:cxnSpLocks/>
+          </p:cNvCxnSpPr>
+          <p:nvPr/>
+        </p:nvCxnSpPr>
+        <p:spPr>
+          <a:xfrm>
+            <a:off x="525517" y="451944"/>
+            <a:ext cx="0" cy="5725019"/>
+          </a:xfrm>
+          <a:prstGeom prst="line">
+            <a:avLst/>
+          </a:prstGeom>
+        </p:spPr>
+        <p:style>
+          <a:lnRef idx="3">
+            <a:schemeClr val="dk1"/>
+          </a:lnRef>
+          <a:fillRef idx="0">
+            <a:schemeClr val="dk1"/>
+          </a:fillRef>
+          <a:effectRef idx="2">
+            <a:schemeClr val="dk1"/>
+          </a:effectRef>
+          <a:fontRef idx="minor">
+            <a:schemeClr val="tx1"/>
+          </a:fontRef>
+        </p:style>
+      </p:cxnSp>
+      <p:cxnSp>
+        <p:nvCxnSpPr>
+          <p:cNvPr id="13" name="Conexão Reta 12">
+            <a:extLst>
+              <a:ext uri="{FF2B5EF4-FFF2-40B4-BE49-F238E27FC236}">
+                <a16:creationId xmlns:a16="http://schemas.microsoft.com/office/drawing/2014/main" id="{54BF8241-AF05-9FCA-18A3-6705623A5F55}"/>
+              </a:ext>
+            </a:extLst>
+          </p:cNvPr>
+          <p:cNvCxnSpPr>
+            <a:cxnSpLocks/>
+          </p:cNvCxnSpPr>
+          <p:nvPr/>
+        </p:nvCxnSpPr>
+        <p:spPr>
+          <a:xfrm flipH="1">
+            <a:off x="525517" y="6177541"/>
+            <a:ext cx="11125200" cy="0"/>
+          </a:xfrm>
+          <a:prstGeom prst="line">
+            <a:avLst/>
+          </a:prstGeom>
+        </p:spPr>
+        <p:style>
+          <a:lnRef idx="3">
+            <a:schemeClr val="dk1"/>
+          </a:lnRef>
+          <a:fillRef idx="0">
+            <a:schemeClr val="dk1"/>
+          </a:fillRef>
+          <a:effectRef idx="2">
+            <a:schemeClr val="dk1"/>
+          </a:effectRef>
+          <a:fontRef idx="minor">
+            <a:schemeClr val="tx1"/>
+          </a:fontRef>
+        </p:style>
+      </p:cxnSp>
+      <p:cxnSp>
+        <p:nvCxnSpPr>
+          <p:cNvPr id="14" name="Conexão Reta 13">
+            <a:extLst>
+              <a:ext uri="{FF2B5EF4-FFF2-40B4-BE49-F238E27FC236}">
+                <a16:creationId xmlns:a16="http://schemas.microsoft.com/office/drawing/2014/main" id="{FF655926-DC77-A4DA-A222-6CFB5D1A1E4C}"/>
+              </a:ext>
+            </a:extLst>
+          </p:cNvPr>
+          <p:cNvCxnSpPr>
+            <a:cxnSpLocks/>
+          </p:cNvCxnSpPr>
+          <p:nvPr/>
+        </p:nvCxnSpPr>
+        <p:spPr>
+          <a:xfrm flipH="1">
+            <a:off x="525517" y="451944"/>
+            <a:ext cx="8362989" cy="0"/>
+          </a:xfrm>
+          <a:prstGeom prst="line">
+            <a:avLst/>
+          </a:prstGeom>
+        </p:spPr>
+        <p:style>
+          <a:lnRef idx="3">
+            <a:schemeClr val="dk1"/>
+          </a:lnRef>
+          <a:fillRef idx="0">
+            <a:schemeClr val="dk1"/>
+          </a:fillRef>
+          <a:effectRef idx="2">
+            <a:schemeClr val="dk1"/>
+          </a:effectRef>
+          <a:fontRef idx="minor">
+            <a:schemeClr val="tx1"/>
+          </a:fontRef>
+        </p:style>
+      </p:cxnSp>
+      <p:cxnSp>
+        <p:nvCxnSpPr>
+          <p:cNvPr id="15" name="Conexão Reta 14">
+            <a:extLst>
+              <a:ext uri="{FF2B5EF4-FFF2-40B4-BE49-F238E27FC236}">
+                <a16:creationId xmlns:a16="http://schemas.microsoft.com/office/drawing/2014/main" id="{5C3AB393-2662-96A0-26B8-147594DAC156}"/>
+              </a:ext>
+            </a:extLst>
+          </p:cNvPr>
+          <p:cNvCxnSpPr>
+            <a:cxnSpLocks/>
+          </p:cNvCxnSpPr>
+          <p:nvPr/>
+        </p:nvCxnSpPr>
+        <p:spPr>
+          <a:xfrm>
+            <a:off x="11650717" y="1304365"/>
+            <a:ext cx="0" cy="4872598"/>
+          </a:xfrm>
+          <a:prstGeom prst="line">
+            <a:avLst/>
+          </a:prstGeom>
+        </p:spPr>
+        <p:style>
+          <a:lnRef idx="3">
+            <a:schemeClr val="dk1"/>
+          </a:lnRef>
+          <a:fillRef idx="0">
+            <a:schemeClr val="dk1"/>
+          </a:fillRef>
+          <a:effectRef idx="2">
+            <a:schemeClr val="dk1"/>
+          </a:effectRef>
+          <a:fontRef idx="minor">
+            <a:schemeClr val="tx1"/>
+          </a:fontRef>
+        </p:style>
+      </p:cxnSp>
+      <p:sp>
+        <p:nvSpPr>
+          <p:cNvPr id="22" name="Título 21">
+            <a:extLst>
+              <a:ext uri="{FF2B5EF4-FFF2-40B4-BE49-F238E27FC236}">
+                <a16:creationId xmlns:a16="http://schemas.microsoft.com/office/drawing/2014/main" id="{A4300593-4E78-FF9A-A183-D8F18E0F84FB}"/>
+              </a:ext>
+            </a:extLst>
+          </p:cNvPr>
+          <p:cNvSpPr>
+            <a:spLocks noGrp="1"/>
+          </p:cNvSpPr>
+          <p:nvPr>
+            <p:ph type="title"/>
+          </p:nvPr>
+        </p:nvSpPr>
+        <p:spPr>
+          <a:xfrm>
+            <a:off x="830317" y="1178869"/>
+            <a:ext cx="10515600" cy="1325563"/>
+          </a:xfrm>
+        </p:spPr>
+        <p:txBody>
+          <a:bodyPr>
+            <a:normAutofit/>
+          </a:bodyPr>
+          <a:lstStyle/>
+          <a:p>
+            <a:pPr algn="ctr"/>
+            <a:r>
+              <a:rPr lang="pt-PT" sz="6000" dirty="0" err="1">
+                <a:latin typeface="Georgia" panose="02040502050405020303" pitchFamily="18" charset="0"/>
+              </a:rPr>
+              <a:t>Thank</a:t>
+            </a:r>
+            <a:r>
+              <a:rPr lang="pt-PT" sz="6000" dirty="0">
+                <a:latin typeface="Georgia" panose="02040502050405020303" pitchFamily="18" charset="0"/>
+              </a:rPr>
+              <a:t> </a:t>
+            </a:r>
+            <a:r>
+              <a:rPr lang="pt-PT" sz="6000" dirty="0" err="1">
+                <a:latin typeface="Georgia" panose="02040502050405020303" pitchFamily="18" charset="0"/>
+              </a:rPr>
+              <a:t>you</a:t>
+            </a:r>
+            <a:endParaRPr lang="pt-PT" sz="6000" dirty="0">
+              <a:latin typeface="Georgia" panose="02040502050405020303" pitchFamily="18" charset="0"/>
+            </a:endParaRPr>
+          </a:p>
+        </p:txBody>
+      </p:sp>
+      <p:sp>
+        <p:nvSpPr>
+          <p:cNvPr id="24" name="Marcador de Posição de Conteúdo 2">
+            <a:extLst>
+              <a:ext uri="{FF2B5EF4-FFF2-40B4-BE49-F238E27FC236}">
+                <a16:creationId xmlns:a16="http://schemas.microsoft.com/office/drawing/2014/main" id="{F4239ACF-946C-36A6-6394-7B4FDC815B44}"/>
+              </a:ext>
+            </a:extLst>
+          </p:cNvPr>
+          <p:cNvSpPr>
+            <a:spLocks noGrp="1"/>
+          </p:cNvSpPr>
+          <p:nvPr>
+            <p:ph idx="1"/>
+          </p:nvPr>
+        </p:nvSpPr>
+        <p:spPr>
+          <a:xfrm>
+            <a:off x="1600199" y="3255076"/>
+            <a:ext cx="9745717" cy="2831608"/>
+          </a:xfrm>
+        </p:spPr>
+        <p:txBody>
+          <a:bodyPr>
+            <a:normAutofit/>
+          </a:bodyPr>
+          <a:lstStyle/>
+          <a:p>
+            <a:pPr>
+              <a:lnSpc>
+                <a:spcPct val="150000"/>
+              </a:lnSpc>
+            </a:pPr>
+            <a:r>
+              <a:rPr lang="pt-PT" sz="1800" dirty="0">
+                <a:latin typeface="Georgia" panose="02040502050405020303" pitchFamily="18" charset="0"/>
+              </a:rPr>
+              <a:t>Author1: André de Azevedo Barata - </a:t>
+            </a:r>
+            <a:r>
+              <a:rPr lang="pt-PT" sz="1800" dirty="0">
+                <a:latin typeface="Georgia" panose="02040502050405020303" pitchFamily="18" charset="0"/>
+                <a:hlinkClick r:id="rId3"/>
+              </a:rPr>
+              <a:t>up201907705@edu.fe.up.pt</a:t>
+            </a:r>
+            <a:endParaRPr lang="pt-PT" sz="1800" dirty="0">
+              <a:latin typeface="Georgia" panose="02040502050405020303" pitchFamily="18" charset="0"/>
+            </a:endParaRPr>
+          </a:p>
+          <a:p>
+            <a:pPr>
+              <a:lnSpc>
+                <a:spcPct val="150000"/>
+              </a:lnSpc>
+            </a:pPr>
+            <a:r>
+              <a:rPr lang="pt-PT" sz="1800" dirty="0">
+                <a:latin typeface="Georgia" panose="02040502050405020303" pitchFamily="18" charset="0"/>
+              </a:rPr>
+              <a:t>Author1: </a:t>
+            </a:r>
+            <a:r>
+              <a:rPr lang="pt-PT" sz="1800" dirty="0" err="1">
+                <a:latin typeface="Georgia" panose="02040502050405020303" pitchFamily="18" charset="0"/>
+              </a:rPr>
+              <a:t>Marija</a:t>
+            </a:r>
+            <a:r>
+              <a:rPr lang="pt-PT" sz="1800" dirty="0">
+                <a:latin typeface="Georgia" panose="02040502050405020303" pitchFamily="18" charset="0"/>
+              </a:rPr>
+              <a:t> </a:t>
+            </a:r>
+            <a:r>
+              <a:rPr lang="pt-PT" sz="1800" dirty="0" err="1">
+                <a:latin typeface="Georgia" panose="02040502050405020303" pitchFamily="18" charset="0"/>
+              </a:rPr>
+              <a:t>Jodic</a:t>
+            </a:r>
+            <a:r>
+              <a:rPr lang="pt-PT" sz="1800" dirty="0">
+                <a:latin typeface="Georgia" panose="02040502050405020303" pitchFamily="18" charset="0"/>
+              </a:rPr>
+              <a:t>- </a:t>
+            </a:r>
+            <a:r>
+              <a:rPr lang="pt-PT" sz="1800" dirty="0">
+                <a:latin typeface="Georgia" panose="02040502050405020303" pitchFamily="18" charset="0"/>
+                <a:hlinkClick r:id="rId3"/>
+              </a:rPr>
+              <a:t>up202202484@edu.fe.up.pt</a:t>
+            </a:r>
+            <a:endParaRPr lang="pt-PT" sz="1800" dirty="0">
+              <a:latin typeface="Georgia" panose="02040502050405020303" pitchFamily="18" charset="0"/>
+            </a:endParaRPr>
+          </a:p>
+          <a:p>
+            <a:pPr>
+              <a:lnSpc>
+                <a:spcPct val="150000"/>
+              </a:lnSpc>
+            </a:pPr>
+            <a:r>
+              <a:rPr lang="pt-PT" sz="1800" dirty="0">
+                <a:latin typeface="Georgia" panose="02040502050405020303" pitchFamily="18" charset="0"/>
+              </a:rPr>
+              <a:t>Professor: António Sá Pinto – </a:t>
+            </a:r>
+            <a:r>
+              <a:rPr lang="pt-PT" sz="1800" dirty="0">
+                <a:latin typeface="Georgia" panose="02040502050405020303" pitchFamily="18" charset="0"/>
+                <a:hlinkClick r:id="rId4"/>
+              </a:rPr>
+              <a:t>asapinto@fe.up.pu</a:t>
+            </a:r>
+            <a:endParaRPr lang="pt-PT" sz="1800" dirty="0">
+              <a:latin typeface="Georgia" panose="02040502050405020303" pitchFamily="18" charset="0"/>
+            </a:endParaRPr>
+          </a:p>
+          <a:p>
+            <a:pPr>
+              <a:lnSpc>
+                <a:spcPct val="150000"/>
+              </a:lnSpc>
+            </a:pPr>
+            <a:r>
+              <a:rPr lang="pt-PT" sz="1800" dirty="0" err="1">
+                <a:latin typeface="Georgia" panose="02040502050405020303" pitchFamily="18" charset="0"/>
+              </a:rPr>
+              <a:t>Course</a:t>
+            </a:r>
+            <a:r>
+              <a:rPr lang="pt-PT" sz="1800" dirty="0">
+                <a:latin typeface="Georgia" panose="02040502050405020303" pitchFamily="18" charset="0"/>
+              </a:rPr>
+              <a:t>: </a:t>
+            </a:r>
+            <a:r>
+              <a:rPr lang="pt-PT" sz="1800" dirty="0" err="1">
+                <a:latin typeface="Georgia" panose="02040502050405020303" pitchFamily="18" charset="0"/>
+              </a:rPr>
+              <a:t>Multimedia</a:t>
+            </a:r>
+            <a:r>
+              <a:rPr lang="pt-PT" sz="1800" dirty="0">
+                <a:latin typeface="Georgia" panose="02040502050405020303" pitchFamily="18" charset="0"/>
+              </a:rPr>
+              <a:t> </a:t>
+            </a:r>
+            <a:r>
+              <a:rPr lang="pt-PT" sz="1800" dirty="0" err="1">
+                <a:latin typeface="Georgia" panose="02040502050405020303" pitchFamily="18" charset="0"/>
+              </a:rPr>
+              <a:t>Systems</a:t>
+            </a:r>
+            <a:endParaRPr lang="pt-PT" sz="1800" dirty="0">
+              <a:latin typeface="Georgia" panose="02040502050405020303" pitchFamily="18" charset="0"/>
+            </a:endParaRPr>
+          </a:p>
+        </p:txBody>
+      </p:sp>
+    </p:spTree>
+    <p:extLst>
+      <p:ext uri="{BB962C8B-B14F-4D97-AF65-F5344CB8AC3E}">
+        <p14:creationId xmlns:p14="http://schemas.microsoft.com/office/powerpoint/2010/main" val="3413992822"/>
+      </p:ext>
+    </p:extLst>
+  </p:cSld>
+  <p:clrMapOvr>
+    <a:masterClrMapping/>
+  </p:clrMapOvr>
+  <mc:AlternateContent xmlns:mc="http://schemas.openxmlformats.org/markup-compatibility/2006">
+    <mc:Choice xmlns:p159="http://schemas.microsoft.com/office/powerpoint/2015/09/main" Requires="p159">
+      <p:transition xmlns:p14="http://schemas.microsoft.com/office/powerpoint/2010/main" spd="slow" p14:dur="2000">
+        <p159:morph option="byObject"/>
+      </p:transition>
+    </mc:Choice>
+    <mc:Fallback>
+      <p:transition spd="slow">
+        <p:fade/>
+      </p:transition>
+    </mc:Fallback>
+  </mc:AlternateContent>
 </p:sld>
 </file>
 
